--- a/ppt/05-18.pptx
+++ b/ppt/05-18.pptx
@@ -6,6 +6,11 @@
   </p:sldMasterIdLst>
   <p:sldIdLst>
     <p:sldId id="276" r:id="rId2"/>
+    <p:sldId id="277" r:id="rId3"/>
+    <p:sldId id="278" r:id="rId4"/>
+    <p:sldId id="279" r:id="rId5"/>
+    <p:sldId id="280" r:id="rId6"/>
+    <p:sldId id="281" r:id="rId7"/>
   </p:sldIdLst>
   <p:sldSz cx="12192000" cy="6858000"/>
   <p:notesSz cx="6858000" cy="9144000"/>
@@ -3061,6 +3066,497 @@
 </p:sld>
 </file>
 
+<file path=ppt/slides/slide2.xml><?xml version="1.0" encoding="utf-8"?>
+<p:sld xmlns:a="http://schemas.openxmlformats.org/drawingml/2006/main" xmlns:r="http://schemas.openxmlformats.org/officeDocument/2006/relationships" xmlns:p="http://schemas.openxmlformats.org/presentationml/2006/main">
+  <p:cSld>
+    <p:spTree>
+      <p:nvGrpSpPr>
+        <p:cNvPr id="1" name=""/>
+        <p:cNvGrpSpPr/>
+        <p:nvPr/>
+      </p:nvGrpSpPr>
+      <p:grpSpPr>
+        <a:xfrm>
+          <a:off x="0" y="0"/>
+          <a:ext cx="0" cy="0"/>
+          <a:chOff x="0" y="0"/>
+          <a:chExt cx="0" cy="0"/>
+        </a:xfrm>
+      </p:grpSpPr>
+      <p:pic>
+        <p:nvPicPr>
+          <p:cNvPr id="4" name="그림 3">
+            <a:extLst>
+              <a:ext uri="{FF2B5EF4-FFF2-40B4-BE49-F238E27FC236}">
+                <a16:creationId xmlns:a16="http://schemas.microsoft.com/office/drawing/2014/main" id="{39D5A535-2215-E833-BBAA-01A3128B6A70}"/>
+              </a:ext>
+            </a:extLst>
+          </p:cNvPr>
+          <p:cNvPicPr>
+            <a:picLocks noChangeAspect="1"/>
+          </p:cNvPicPr>
+          <p:nvPr/>
+        </p:nvPicPr>
+        <p:blipFill>
+          <a:blip r:embed="rId2"/>
+          <a:stretch>
+            <a:fillRect/>
+          </a:stretch>
+        </p:blipFill>
+        <p:spPr>
+          <a:xfrm>
+            <a:off x="1874254" y="1309034"/>
+            <a:ext cx="3421338" cy="5308333"/>
+          </a:xfrm>
+          <a:prstGeom prst="rect">
+            <a:avLst/>
+          </a:prstGeom>
+        </p:spPr>
+      </p:pic>
+      <p:cxnSp>
+        <p:nvCxnSpPr>
+          <p:cNvPr id="7" name="직선 화살표 연결선 6">
+            <a:extLst>
+              <a:ext uri="{FF2B5EF4-FFF2-40B4-BE49-F238E27FC236}">
+                <a16:creationId xmlns:a16="http://schemas.microsoft.com/office/drawing/2014/main" id="{ED03B993-A764-CACA-2CF5-7BB885293464}"/>
+              </a:ext>
+            </a:extLst>
+          </p:cNvPr>
+          <p:cNvCxnSpPr/>
+          <p:nvPr/>
+        </p:nvCxnSpPr>
+        <p:spPr>
+          <a:xfrm flipH="1">
+            <a:off x="5109410" y="4836520"/>
+            <a:ext cx="1973179" cy="0"/>
+          </a:xfrm>
+          <a:prstGeom prst="straightConnector1">
+            <a:avLst/>
+          </a:prstGeom>
+          <a:ln>
+            <a:tailEnd type="triangle"/>
+          </a:ln>
+        </p:spPr>
+        <p:style>
+          <a:lnRef idx="1">
+            <a:schemeClr val="accent1"/>
+          </a:lnRef>
+          <a:fillRef idx="0">
+            <a:schemeClr val="accent1"/>
+          </a:fillRef>
+          <a:effectRef idx="0">
+            <a:schemeClr val="accent1"/>
+          </a:effectRef>
+          <a:fontRef idx="minor">
+            <a:schemeClr val="tx1"/>
+          </a:fontRef>
+        </p:style>
+      </p:cxnSp>
+      <p:sp>
+        <p:nvSpPr>
+          <p:cNvPr id="8" name="TextBox 7">
+            <a:extLst>
+              <a:ext uri="{FF2B5EF4-FFF2-40B4-BE49-F238E27FC236}">
+                <a16:creationId xmlns:a16="http://schemas.microsoft.com/office/drawing/2014/main" id="{CEF6F467-9F6B-D04B-663B-438456CAAEF0}"/>
+              </a:ext>
+            </a:extLst>
+          </p:cNvPr>
+          <p:cNvSpPr txBox="1"/>
+          <p:nvPr/>
+        </p:nvSpPr>
+        <p:spPr>
+          <a:xfrm>
+            <a:off x="7135975" y="4709004"/>
+            <a:ext cx="1882247" cy="369332"/>
+          </a:xfrm>
+          <a:prstGeom prst="rect">
+            <a:avLst/>
+          </a:prstGeom>
+          <a:noFill/>
+        </p:spPr>
+        <p:txBody>
+          <a:bodyPr wrap="none" rtlCol="0">
+            <a:spAutoFit/>
+          </a:bodyPr>
+          <a:lstStyle/>
+          <a:p>
+            <a:r>
+              <a:rPr lang="ko-KR" altLang="en-US" dirty="0"/>
+              <a:t>데이터 </a:t>
+            </a:r>
+            <a:r>
+              <a:rPr lang="ko-KR" altLang="en-US" dirty="0" err="1"/>
+              <a:t>없는경우</a:t>
+            </a:r>
+            <a:endParaRPr lang="ko-KR" altLang="en-US" dirty="0"/>
+          </a:p>
+        </p:txBody>
+      </p:sp>
+    </p:spTree>
+    <p:extLst>
+      <p:ext uri="{BB962C8B-B14F-4D97-AF65-F5344CB8AC3E}">
+        <p14:creationId xmlns:p14="http://schemas.microsoft.com/office/powerpoint/2010/main" val="2549408956"/>
+      </p:ext>
+    </p:extLst>
+  </p:cSld>
+  <p:clrMapOvr>
+    <a:masterClrMapping/>
+  </p:clrMapOvr>
+</p:sld>
+</file>
+
+<file path=ppt/slides/slide3.xml><?xml version="1.0" encoding="utf-8"?>
+<p:sld xmlns:a="http://schemas.openxmlformats.org/drawingml/2006/main" xmlns:r="http://schemas.openxmlformats.org/officeDocument/2006/relationships" xmlns:p="http://schemas.openxmlformats.org/presentationml/2006/main">
+  <p:cSld>
+    <p:spTree>
+      <p:nvGrpSpPr>
+        <p:cNvPr id="1" name=""/>
+        <p:cNvGrpSpPr/>
+        <p:nvPr/>
+      </p:nvGrpSpPr>
+      <p:grpSpPr>
+        <a:xfrm>
+          <a:off x="0" y="0"/>
+          <a:ext cx="0" cy="0"/>
+          <a:chOff x="0" y="0"/>
+          <a:chExt cx="0" cy="0"/>
+        </a:xfrm>
+      </p:grpSpPr>
+      <p:pic>
+        <p:nvPicPr>
+          <p:cNvPr id="3" name="그림 2">
+            <a:extLst>
+              <a:ext uri="{FF2B5EF4-FFF2-40B4-BE49-F238E27FC236}">
+                <a16:creationId xmlns:a16="http://schemas.microsoft.com/office/drawing/2014/main" id="{A025E57A-7437-EA46-739C-13C773585128}"/>
+              </a:ext>
+            </a:extLst>
+          </p:cNvPr>
+          <p:cNvPicPr>
+            <a:picLocks noChangeAspect="1"/>
+          </p:cNvPicPr>
+          <p:nvPr/>
+        </p:nvPicPr>
+        <p:blipFill>
+          <a:blip r:embed="rId2"/>
+          <a:stretch>
+            <a:fillRect/>
+          </a:stretch>
+        </p:blipFill>
+        <p:spPr>
+          <a:xfrm>
+            <a:off x="2283843" y="1818767"/>
+            <a:ext cx="3600953" cy="2238687"/>
+          </a:xfrm>
+          <a:prstGeom prst="rect">
+            <a:avLst/>
+          </a:prstGeom>
+        </p:spPr>
+      </p:pic>
+      <p:cxnSp>
+        <p:nvCxnSpPr>
+          <p:cNvPr id="6" name="직선 화살표 연결선 5">
+            <a:extLst>
+              <a:ext uri="{FF2B5EF4-FFF2-40B4-BE49-F238E27FC236}">
+                <a16:creationId xmlns:a16="http://schemas.microsoft.com/office/drawing/2014/main" id="{81D2FA11-9E03-6D75-29DF-9B03CDB84A01}"/>
+              </a:ext>
+            </a:extLst>
+          </p:cNvPr>
+          <p:cNvCxnSpPr/>
+          <p:nvPr/>
+        </p:nvCxnSpPr>
+        <p:spPr>
+          <a:xfrm flipH="1">
+            <a:off x="5763298" y="2819942"/>
+            <a:ext cx="1973179" cy="0"/>
+          </a:xfrm>
+          <a:prstGeom prst="straightConnector1">
+            <a:avLst/>
+          </a:prstGeom>
+          <a:ln>
+            <a:tailEnd type="triangle"/>
+          </a:ln>
+        </p:spPr>
+        <p:style>
+          <a:lnRef idx="1">
+            <a:schemeClr val="accent1"/>
+          </a:lnRef>
+          <a:fillRef idx="0">
+            <a:schemeClr val="accent1"/>
+          </a:fillRef>
+          <a:effectRef idx="0">
+            <a:schemeClr val="accent1"/>
+          </a:effectRef>
+          <a:fontRef idx="minor">
+            <a:schemeClr val="tx1"/>
+          </a:fontRef>
+        </p:style>
+      </p:cxnSp>
+      <p:sp>
+        <p:nvSpPr>
+          <p:cNvPr id="7" name="TextBox 6">
+            <a:extLst>
+              <a:ext uri="{FF2B5EF4-FFF2-40B4-BE49-F238E27FC236}">
+                <a16:creationId xmlns:a16="http://schemas.microsoft.com/office/drawing/2014/main" id="{AA234568-528F-0B0B-9816-6E3BC3008A12}"/>
+              </a:ext>
+            </a:extLst>
+          </p:cNvPr>
+          <p:cNvSpPr txBox="1"/>
+          <p:nvPr/>
+        </p:nvSpPr>
+        <p:spPr>
+          <a:xfrm>
+            <a:off x="8051800" y="2635276"/>
+            <a:ext cx="2789546" cy="369332"/>
+          </a:xfrm>
+          <a:prstGeom prst="rect">
+            <a:avLst/>
+          </a:prstGeom>
+          <a:noFill/>
+        </p:spPr>
+        <p:txBody>
+          <a:bodyPr wrap="none" rtlCol="0">
+            <a:spAutoFit/>
+          </a:bodyPr>
+          <a:lstStyle/>
+          <a:p>
+            <a:r>
+              <a:rPr lang="ko-KR" altLang="en-US" dirty="0"/>
+              <a:t>데이터 </a:t>
+            </a:r>
+            <a:r>
+              <a:rPr lang="ko-KR" altLang="en-US" dirty="0" err="1"/>
+              <a:t>없는경우</a:t>
+            </a:r>
+            <a:r>
+              <a:rPr lang="en-US" altLang="ko-KR" dirty="0"/>
+              <a:t>, </a:t>
+            </a:r>
+            <a:r>
+              <a:rPr lang="ko-KR" altLang="en-US" dirty="0"/>
+              <a:t>탭 공통</a:t>
+            </a:r>
+          </a:p>
+        </p:txBody>
+      </p:sp>
+    </p:spTree>
+    <p:extLst>
+      <p:ext uri="{BB962C8B-B14F-4D97-AF65-F5344CB8AC3E}">
+        <p14:creationId xmlns:p14="http://schemas.microsoft.com/office/powerpoint/2010/main" val="3689021120"/>
+      </p:ext>
+    </p:extLst>
+  </p:cSld>
+  <p:clrMapOvr>
+    <a:masterClrMapping/>
+  </p:clrMapOvr>
+</p:sld>
+</file>
+
+<file path=ppt/slides/slide4.xml><?xml version="1.0" encoding="utf-8"?>
+<p:sld xmlns:a="http://schemas.openxmlformats.org/drawingml/2006/main" xmlns:r="http://schemas.openxmlformats.org/officeDocument/2006/relationships" xmlns:p="http://schemas.openxmlformats.org/presentationml/2006/main">
+  <p:cSld>
+    <p:spTree>
+      <p:nvGrpSpPr>
+        <p:cNvPr id="1" name=""/>
+        <p:cNvGrpSpPr/>
+        <p:nvPr/>
+      </p:nvGrpSpPr>
+      <p:grpSpPr>
+        <a:xfrm>
+          <a:off x="0" y="0"/>
+          <a:ext cx="0" cy="0"/>
+          <a:chOff x="0" y="0"/>
+          <a:chExt cx="0" cy="0"/>
+        </a:xfrm>
+      </p:grpSpPr>
+      <p:pic>
+        <p:nvPicPr>
+          <p:cNvPr id="3" name="그림 2">
+            <a:extLst>
+              <a:ext uri="{FF2B5EF4-FFF2-40B4-BE49-F238E27FC236}">
+                <a16:creationId xmlns:a16="http://schemas.microsoft.com/office/drawing/2014/main" id="{FDDE2A30-33DD-8966-D1B0-1C30CCA619DB}"/>
+              </a:ext>
+            </a:extLst>
+          </p:cNvPr>
+          <p:cNvPicPr>
+            <a:picLocks noChangeAspect="1"/>
+          </p:cNvPicPr>
+          <p:nvPr/>
+        </p:nvPicPr>
+        <p:blipFill>
+          <a:blip r:embed="rId2"/>
+          <a:stretch>
+            <a:fillRect/>
+          </a:stretch>
+        </p:blipFill>
+        <p:spPr>
+          <a:xfrm>
+            <a:off x="1791031" y="1468735"/>
+            <a:ext cx="5001323" cy="2238687"/>
+          </a:xfrm>
+          <a:prstGeom prst="rect">
+            <a:avLst/>
+          </a:prstGeom>
+        </p:spPr>
+      </p:pic>
+      <p:cxnSp>
+        <p:nvCxnSpPr>
+          <p:cNvPr id="4" name="직선 화살표 연결선 3">
+            <a:extLst>
+              <a:ext uri="{FF2B5EF4-FFF2-40B4-BE49-F238E27FC236}">
+                <a16:creationId xmlns:a16="http://schemas.microsoft.com/office/drawing/2014/main" id="{D1E051F9-3D04-6347-6E65-D3A49E8F4320}"/>
+              </a:ext>
+            </a:extLst>
+          </p:cNvPr>
+          <p:cNvCxnSpPr/>
+          <p:nvPr/>
+        </p:nvCxnSpPr>
+        <p:spPr>
+          <a:xfrm flipH="1">
+            <a:off x="6096000" y="1750421"/>
+            <a:ext cx="1973179" cy="0"/>
+          </a:xfrm>
+          <a:prstGeom prst="straightConnector1">
+            <a:avLst/>
+          </a:prstGeom>
+          <a:ln>
+            <a:tailEnd type="triangle"/>
+          </a:ln>
+        </p:spPr>
+        <p:style>
+          <a:lnRef idx="1">
+            <a:schemeClr val="accent1"/>
+          </a:lnRef>
+          <a:fillRef idx="0">
+            <a:schemeClr val="accent1"/>
+          </a:fillRef>
+          <a:effectRef idx="0">
+            <a:schemeClr val="accent1"/>
+          </a:effectRef>
+          <a:fontRef idx="minor">
+            <a:schemeClr val="tx1"/>
+          </a:fontRef>
+        </p:style>
+      </p:cxnSp>
+      <p:sp>
+        <p:nvSpPr>
+          <p:cNvPr id="5" name="TextBox 4">
+            <a:extLst>
+              <a:ext uri="{FF2B5EF4-FFF2-40B4-BE49-F238E27FC236}">
+                <a16:creationId xmlns:a16="http://schemas.microsoft.com/office/drawing/2014/main" id="{8DD66611-A4CC-F943-1F7A-AA893F282933}"/>
+              </a:ext>
+            </a:extLst>
+          </p:cNvPr>
+          <p:cNvSpPr txBox="1"/>
+          <p:nvPr/>
+        </p:nvSpPr>
+        <p:spPr>
+          <a:xfrm>
+            <a:off x="7161893" y="2032108"/>
+            <a:ext cx="2552302" cy="369332"/>
+          </a:xfrm>
+          <a:prstGeom prst="rect">
+            <a:avLst/>
+          </a:prstGeom>
+          <a:noFill/>
+        </p:spPr>
+        <p:txBody>
+          <a:bodyPr wrap="none" rtlCol="0">
+            <a:spAutoFit/>
+          </a:bodyPr>
+          <a:lstStyle/>
+          <a:p>
+            <a:r>
+              <a:rPr lang="ko-KR" altLang="en-US" dirty="0" err="1"/>
+              <a:t>인기검색어</a:t>
+            </a:r>
+            <a:r>
+              <a:rPr lang="ko-KR" altLang="en-US" dirty="0"/>
+              <a:t> </a:t>
+            </a:r>
+            <a:r>
+              <a:rPr lang="en-US" altLang="ko-KR" dirty="0"/>
+              <a:t>5</a:t>
+            </a:r>
+            <a:r>
+              <a:rPr lang="ko-KR" altLang="en-US" dirty="0"/>
+              <a:t>개가 표시</a:t>
+            </a:r>
+          </a:p>
+        </p:txBody>
+      </p:sp>
+    </p:spTree>
+    <p:extLst>
+      <p:ext uri="{BB962C8B-B14F-4D97-AF65-F5344CB8AC3E}">
+        <p14:creationId xmlns:p14="http://schemas.microsoft.com/office/powerpoint/2010/main" val="3169765799"/>
+      </p:ext>
+    </p:extLst>
+  </p:cSld>
+  <p:clrMapOvr>
+    <a:masterClrMapping/>
+  </p:clrMapOvr>
+</p:sld>
+</file>
+
+<file path=ppt/slides/slide5.xml><?xml version="1.0" encoding="utf-8"?>
+<p:sld xmlns:a="http://schemas.openxmlformats.org/drawingml/2006/main" xmlns:r="http://schemas.openxmlformats.org/officeDocument/2006/relationships" xmlns:p="http://schemas.openxmlformats.org/presentationml/2006/main">
+  <p:cSld>
+    <p:spTree>
+      <p:nvGrpSpPr>
+        <p:cNvPr id="1" name=""/>
+        <p:cNvGrpSpPr/>
+        <p:nvPr/>
+      </p:nvGrpSpPr>
+      <p:grpSpPr>
+        <a:xfrm>
+          <a:off x="0" y="0"/>
+          <a:ext cx="0" cy="0"/>
+          <a:chOff x="0" y="0"/>
+          <a:chExt cx="0" cy="0"/>
+        </a:xfrm>
+      </p:grpSpPr>
+    </p:spTree>
+    <p:extLst>
+      <p:ext uri="{BB962C8B-B14F-4D97-AF65-F5344CB8AC3E}">
+        <p14:creationId xmlns:p14="http://schemas.microsoft.com/office/powerpoint/2010/main" val="3047556712"/>
+      </p:ext>
+    </p:extLst>
+  </p:cSld>
+  <p:clrMapOvr>
+    <a:masterClrMapping/>
+  </p:clrMapOvr>
+</p:sld>
+</file>
+
+<file path=ppt/slides/slide6.xml><?xml version="1.0" encoding="utf-8"?>
+<p:sld xmlns:a="http://schemas.openxmlformats.org/drawingml/2006/main" xmlns:r="http://schemas.openxmlformats.org/officeDocument/2006/relationships" xmlns:p="http://schemas.openxmlformats.org/presentationml/2006/main">
+  <p:cSld>
+    <p:spTree>
+      <p:nvGrpSpPr>
+        <p:cNvPr id="1" name=""/>
+        <p:cNvGrpSpPr/>
+        <p:nvPr/>
+      </p:nvGrpSpPr>
+      <p:grpSpPr>
+        <a:xfrm>
+          <a:off x="0" y="0"/>
+          <a:ext cx="0" cy="0"/>
+          <a:chOff x="0" y="0"/>
+          <a:chExt cx="0" cy="0"/>
+        </a:xfrm>
+      </p:grpSpPr>
+    </p:spTree>
+    <p:extLst>
+      <p:ext uri="{BB962C8B-B14F-4D97-AF65-F5344CB8AC3E}">
+        <p14:creationId xmlns:p14="http://schemas.microsoft.com/office/powerpoint/2010/main" val="131566723"/>
+      </p:ext>
+    </p:extLst>
+  </p:cSld>
+  <p:clrMapOvr>
+    <a:masterClrMapping/>
+  </p:clrMapOvr>
+</p:sld>
+</file>
+
 <file path=ppt/theme/theme1.xml><?xml version="1.0" encoding="utf-8"?>
 <a:theme xmlns:a="http://schemas.openxmlformats.org/drawingml/2006/main" name="Office 테마">
   <a:themeElements>

--- a/ppt/05-18.pptx
+++ b/ppt/05-18.pptx
@@ -6,11 +6,12 @@
   </p:sldMasterIdLst>
   <p:sldIdLst>
     <p:sldId id="276" r:id="rId2"/>
-    <p:sldId id="277" r:id="rId3"/>
-    <p:sldId id="278" r:id="rId4"/>
-    <p:sldId id="279" r:id="rId5"/>
-    <p:sldId id="280" r:id="rId6"/>
-    <p:sldId id="281" r:id="rId7"/>
+    <p:sldId id="282" r:id="rId3"/>
+    <p:sldId id="277" r:id="rId4"/>
+    <p:sldId id="278" r:id="rId5"/>
+    <p:sldId id="279" r:id="rId6"/>
+    <p:sldId id="280" r:id="rId7"/>
+    <p:sldId id="281" r:id="rId8"/>
   </p:sldIdLst>
   <p:sldSz cx="12192000" cy="6858000"/>
   <p:notesSz cx="6858000" cy="9144000"/>
@@ -3085,6 +3086,220 @@
       </p:grpSpPr>
       <p:pic>
         <p:nvPicPr>
+          <p:cNvPr id="18" name="그림 17">
+            <a:extLst>
+              <a:ext uri="{FF2B5EF4-FFF2-40B4-BE49-F238E27FC236}">
+                <a16:creationId xmlns:a16="http://schemas.microsoft.com/office/drawing/2014/main" id="{49225300-B63D-C9E0-FDF1-FADDE41F5748}"/>
+              </a:ext>
+            </a:extLst>
+          </p:cNvPr>
+          <p:cNvPicPr>
+            <a:picLocks noChangeAspect="1"/>
+          </p:cNvPicPr>
+          <p:nvPr/>
+        </p:nvPicPr>
+        <p:blipFill>
+          <a:blip r:embed="rId2"/>
+          <a:stretch>
+            <a:fillRect/>
+          </a:stretch>
+        </p:blipFill>
+        <p:spPr>
+          <a:xfrm>
+            <a:off x="544106" y="1513194"/>
+            <a:ext cx="5820587" cy="2981741"/>
+          </a:xfrm>
+          <a:prstGeom prst="rect">
+            <a:avLst/>
+          </a:prstGeom>
+        </p:spPr>
+      </p:pic>
+      <p:sp>
+        <p:nvSpPr>
+          <p:cNvPr id="2" name="TextBox 1"/>
+          <p:cNvSpPr txBox="1"/>
+          <p:nvPr/>
+        </p:nvSpPr>
+        <p:spPr>
+          <a:xfrm>
+            <a:off x="299803" y="217357"/>
+            <a:ext cx="1872629" cy="369332"/>
+          </a:xfrm>
+          <a:prstGeom prst="rect">
+            <a:avLst/>
+          </a:prstGeom>
+          <a:noFill/>
+        </p:spPr>
+        <p:txBody>
+          <a:bodyPr wrap="none" rtlCol="0">
+            <a:spAutoFit/>
+          </a:bodyPr>
+          <a:lstStyle/>
+          <a:p>
+            <a:r>
+              <a:rPr lang="en-US" altLang="ko-KR" dirty="0"/>
+              <a:t>UI-SJN-23-001L</a:t>
+            </a:r>
+            <a:endParaRPr lang="ko-KR" altLang="en-US" dirty="0"/>
+          </a:p>
+        </p:txBody>
+      </p:sp>
+      <p:sp>
+        <p:nvSpPr>
+          <p:cNvPr id="9" name="TextBox 8">
+            <a:extLst>
+              <a:ext uri="{FF2B5EF4-FFF2-40B4-BE49-F238E27FC236}">
+                <a16:creationId xmlns:a16="http://schemas.microsoft.com/office/drawing/2014/main" id="{17EB50C2-9629-FB09-9137-C1D127C402CA}"/>
+              </a:ext>
+            </a:extLst>
+          </p:cNvPr>
+          <p:cNvSpPr txBox="1"/>
+          <p:nvPr/>
+        </p:nvSpPr>
+        <p:spPr>
+          <a:xfrm>
+            <a:off x="7619999" y="2634733"/>
+            <a:ext cx="2787943" cy="369332"/>
+          </a:xfrm>
+          <a:prstGeom prst="rect">
+            <a:avLst/>
+          </a:prstGeom>
+          <a:noFill/>
+        </p:spPr>
+        <p:txBody>
+          <a:bodyPr wrap="none" rtlCol="0">
+            <a:spAutoFit/>
+          </a:bodyPr>
+          <a:lstStyle/>
+          <a:p>
+            <a:r>
+              <a:rPr lang="en-US" altLang="ko-KR" dirty="0"/>
+              <a:t>On </a:t>
+            </a:r>
+            <a:r>
+              <a:rPr lang="ko-KR" altLang="en-US" dirty="0"/>
+              <a:t>아이콘 추가했습니다</a:t>
+            </a:r>
+            <a:r>
+              <a:rPr lang="en-US" altLang="ko-KR" dirty="0"/>
+              <a:t>.</a:t>
+            </a:r>
+            <a:endParaRPr lang="ko-KR" altLang="en-US" dirty="0"/>
+          </a:p>
+        </p:txBody>
+      </p:sp>
+      <p:cxnSp>
+        <p:nvCxnSpPr>
+          <p:cNvPr id="14" name="직선 화살표 연결선 13">
+            <a:extLst>
+              <a:ext uri="{FF2B5EF4-FFF2-40B4-BE49-F238E27FC236}">
+                <a16:creationId xmlns:a16="http://schemas.microsoft.com/office/drawing/2014/main" id="{E04B9327-D3E8-5CC6-835D-ACF51C66281D}"/>
+              </a:ext>
+            </a:extLst>
+          </p:cNvPr>
+          <p:cNvCxnSpPr>
+            <a:cxnSpLocks/>
+          </p:cNvCxnSpPr>
+          <p:nvPr/>
+        </p:nvCxnSpPr>
+        <p:spPr>
+          <a:xfrm flipH="1" flipV="1">
+            <a:off x="6096000" y="2634733"/>
+            <a:ext cx="1210733" cy="184666"/>
+          </a:xfrm>
+          <a:prstGeom prst="straightConnector1">
+            <a:avLst/>
+          </a:prstGeom>
+          <a:ln>
+            <a:tailEnd type="triangle"/>
+          </a:ln>
+        </p:spPr>
+        <p:style>
+          <a:lnRef idx="1">
+            <a:schemeClr val="accent1"/>
+          </a:lnRef>
+          <a:fillRef idx="0">
+            <a:schemeClr val="accent1"/>
+          </a:fillRef>
+          <a:effectRef idx="0">
+            <a:schemeClr val="accent1"/>
+          </a:effectRef>
+          <a:fontRef idx="minor">
+            <a:schemeClr val="tx1"/>
+          </a:fontRef>
+        </p:style>
+      </p:cxnSp>
+      <p:cxnSp>
+        <p:nvCxnSpPr>
+          <p:cNvPr id="16" name="직선 화살표 연결선 15">
+            <a:extLst>
+              <a:ext uri="{FF2B5EF4-FFF2-40B4-BE49-F238E27FC236}">
+                <a16:creationId xmlns:a16="http://schemas.microsoft.com/office/drawing/2014/main" id="{4C211CCD-3974-6312-1FDC-58B0C877CDF3}"/>
+              </a:ext>
+            </a:extLst>
+          </p:cNvPr>
+          <p:cNvCxnSpPr/>
+          <p:nvPr/>
+        </p:nvCxnSpPr>
+        <p:spPr>
+          <a:xfrm flipH="1">
+            <a:off x="6096000" y="2929467"/>
+            <a:ext cx="1261533" cy="1117600"/>
+          </a:xfrm>
+          <a:prstGeom prst="straightConnector1">
+            <a:avLst/>
+          </a:prstGeom>
+          <a:ln>
+            <a:tailEnd type="triangle"/>
+          </a:ln>
+        </p:spPr>
+        <p:style>
+          <a:lnRef idx="1">
+            <a:schemeClr val="accent1"/>
+          </a:lnRef>
+          <a:fillRef idx="0">
+            <a:schemeClr val="accent1"/>
+          </a:fillRef>
+          <a:effectRef idx="0">
+            <a:schemeClr val="accent1"/>
+          </a:effectRef>
+          <a:fontRef idx="minor">
+            <a:schemeClr val="tx1"/>
+          </a:fontRef>
+        </p:style>
+      </p:cxnSp>
+    </p:spTree>
+    <p:extLst>
+      <p:ext uri="{BB962C8B-B14F-4D97-AF65-F5344CB8AC3E}">
+        <p14:creationId xmlns:p14="http://schemas.microsoft.com/office/powerpoint/2010/main" val="1720528299"/>
+      </p:ext>
+    </p:extLst>
+  </p:cSld>
+  <p:clrMapOvr>
+    <a:masterClrMapping/>
+  </p:clrMapOvr>
+</p:sld>
+</file>
+
+<file path=ppt/slides/slide3.xml><?xml version="1.0" encoding="utf-8"?>
+<p:sld xmlns:a="http://schemas.openxmlformats.org/drawingml/2006/main" xmlns:r="http://schemas.openxmlformats.org/officeDocument/2006/relationships" xmlns:p="http://schemas.openxmlformats.org/presentationml/2006/main">
+  <p:cSld>
+    <p:spTree>
+      <p:nvGrpSpPr>
+        <p:cNvPr id="1" name=""/>
+        <p:cNvGrpSpPr/>
+        <p:nvPr/>
+      </p:nvGrpSpPr>
+      <p:grpSpPr>
+        <a:xfrm>
+          <a:off x="0" y="0"/>
+          <a:ext cx="0" cy="0"/>
+          <a:chOff x="0" y="0"/>
+          <a:chExt cx="0" cy="0"/>
+        </a:xfrm>
+      </p:grpSpPr>
+      <p:pic>
+        <p:nvPicPr>
           <p:cNvPr id="4" name="그림 3">
             <a:extLst>
               <a:ext uri="{FF2B5EF4-FFF2-40B4-BE49-F238E27FC236}">
@@ -3105,7 +3320,7 @@
         </p:blipFill>
         <p:spPr>
           <a:xfrm>
-            <a:off x="1874254" y="1309034"/>
+            <a:off x="917521" y="867097"/>
             <a:ext cx="3421338" cy="5308333"/>
           </a:xfrm>
           <a:prstGeom prst="rect">
@@ -3113,12 +3328,167 @@
           </a:prstGeom>
         </p:spPr>
       </p:pic>
+      <p:sp>
+        <p:nvSpPr>
+          <p:cNvPr id="5" name="TextBox 4">
+            <a:extLst>
+              <a:ext uri="{FF2B5EF4-FFF2-40B4-BE49-F238E27FC236}">
+                <a16:creationId xmlns:a16="http://schemas.microsoft.com/office/drawing/2014/main" id="{01B85046-F400-ADF8-4FA8-95B2DABCA549}"/>
+              </a:ext>
+            </a:extLst>
+          </p:cNvPr>
+          <p:cNvSpPr txBox="1"/>
+          <p:nvPr/>
+        </p:nvSpPr>
+        <p:spPr>
+          <a:xfrm>
+            <a:off x="299803" y="217357"/>
+            <a:ext cx="1872629" cy="369332"/>
+          </a:xfrm>
+          <a:prstGeom prst="rect">
+            <a:avLst/>
+          </a:prstGeom>
+          <a:noFill/>
+        </p:spPr>
+        <p:txBody>
+          <a:bodyPr wrap="none" rtlCol="0">
+            <a:spAutoFit/>
+          </a:bodyPr>
+          <a:lstStyle/>
+          <a:p>
+            <a:r>
+              <a:rPr lang="en-US" altLang="ko-KR" dirty="0"/>
+              <a:t>UI-SJN-01-001U</a:t>
+            </a:r>
+            <a:endParaRPr lang="ko-KR" altLang="en-US" dirty="0"/>
+          </a:p>
+        </p:txBody>
+      </p:sp>
+      <p:sp>
+        <p:nvSpPr>
+          <p:cNvPr id="2" name="직사각형 1">
+            <a:extLst>
+              <a:ext uri="{FF2B5EF4-FFF2-40B4-BE49-F238E27FC236}">
+                <a16:creationId xmlns:a16="http://schemas.microsoft.com/office/drawing/2014/main" id="{2E2EB6CF-0792-2D68-0E06-A8C1E0DA797A}"/>
+              </a:ext>
+            </a:extLst>
+          </p:cNvPr>
+          <p:cNvSpPr/>
+          <p:nvPr/>
+        </p:nvSpPr>
+        <p:spPr>
+          <a:xfrm>
+            <a:off x="0" y="6366933"/>
+            <a:ext cx="12192000" cy="491067"/>
+          </a:xfrm>
+          <a:prstGeom prst="rect">
+            <a:avLst/>
+          </a:prstGeom>
+        </p:spPr>
+        <p:style>
+          <a:lnRef idx="2">
+            <a:schemeClr val="accent1">
+              <a:shade val="50000"/>
+            </a:schemeClr>
+          </a:lnRef>
+          <a:fillRef idx="1">
+            <a:schemeClr val="accent1"/>
+          </a:fillRef>
+          <a:effectRef idx="0">
+            <a:schemeClr val="accent1"/>
+          </a:effectRef>
+          <a:fontRef idx="minor">
+            <a:schemeClr val="lt1"/>
+          </a:fontRef>
+        </p:style>
+        <p:txBody>
+          <a:bodyPr rtlCol="0" anchor="ctr"/>
+          <a:lstStyle/>
+          <a:p>
+            <a:pPr algn="ctr"/>
+            <a:r>
+              <a:rPr lang="ko-KR" altLang="en-US" dirty="0"/>
+              <a:t>아래에 계속</a:t>
+            </a:r>
+          </a:p>
+        </p:txBody>
+      </p:sp>
+      <p:pic>
+        <p:nvPicPr>
+          <p:cNvPr id="6" name="그림 5">
+            <a:extLst>
+              <a:ext uri="{FF2B5EF4-FFF2-40B4-BE49-F238E27FC236}">
+                <a16:creationId xmlns:a16="http://schemas.microsoft.com/office/drawing/2014/main" id="{6EED0E3C-0A8B-E8D6-1783-0AE3A2DC91B6}"/>
+              </a:ext>
+            </a:extLst>
+          </p:cNvPr>
+          <p:cNvPicPr>
+            <a:picLocks noChangeAspect="1"/>
+          </p:cNvPicPr>
+          <p:nvPr/>
+        </p:nvPicPr>
+        <p:blipFill>
+          <a:blip r:embed="rId3"/>
+          <a:stretch>
+            <a:fillRect/>
+          </a:stretch>
+        </p:blipFill>
+        <p:spPr>
+          <a:xfrm>
+            <a:off x="6644909" y="2807564"/>
+            <a:ext cx="3477110" cy="2486372"/>
+          </a:xfrm>
+          <a:prstGeom prst="rect">
+            <a:avLst/>
+          </a:prstGeom>
+        </p:spPr>
+      </p:pic>
+      <p:sp>
+        <p:nvSpPr>
+          <p:cNvPr id="9" name="TextBox 8">
+            <a:extLst>
+              <a:ext uri="{FF2B5EF4-FFF2-40B4-BE49-F238E27FC236}">
+                <a16:creationId xmlns:a16="http://schemas.microsoft.com/office/drawing/2014/main" id="{83AFE170-3BDC-CF21-93B5-33A2772CE35B}"/>
+              </a:ext>
+            </a:extLst>
+          </p:cNvPr>
+          <p:cNvSpPr txBox="1"/>
+          <p:nvPr/>
+        </p:nvSpPr>
+        <p:spPr>
+          <a:xfrm>
+            <a:off x="7631495" y="5485439"/>
+            <a:ext cx="1503938" cy="307777"/>
+          </a:xfrm>
+          <a:prstGeom prst="rect">
+            <a:avLst/>
+          </a:prstGeom>
+          <a:noFill/>
+        </p:spPr>
+        <p:txBody>
+          <a:bodyPr wrap="none" rtlCol="0">
+            <a:spAutoFit/>
+          </a:bodyPr>
+          <a:lstStyle/>
+          <a:p>
+            <a:r>
+              <a:rPr lang="ko-KR" altLang="en-US" sz="1400" dirty="0"/>
+              <a:t>데이터 </a:t>
+            </a:r>
+            <a:r>
+              <a:rPr lang="ko-KR" altLang="en-US" sz="1400" dirty="0" err="1"/>
+              <a:t>없는경우</a:t>
+            </a:r>
+            <a:endParaRPr lang="ko-KR" altLang="en-US" sz="1400" dirty="0"/>
+          </a:p>
+        </p:txBody>
+      </p:sp>
       <p:cxnSp>
         <p:nvCxnSpPr>
-          <p:cNvPr id="7" name="직선 화살표 연결선 6">
+          <p:cNvPr id="10" name="직선 화살표 연결선 9">
             <a:extLst>
               <a:ext uri="{FF2B5EF4-FFF2-40B4-BE49-F238E27FC236}">
-                <a16:creationId xmlns:a16="http://schemas.microsoft.com/office/drawing/2014/main" id="{ED03B993-A764-CACA-2CF5-7BB885293464}"/>
+                <a16:creationId xmlns:a16="http://schemas.microsoft.com/office/drawing/2014/main" id="{6FFCC6BE-8737-C4BA-CE7B-326DD804905C}"/>
               </a:ext>
             </a:extLst>
           </p:cNvPr>
@@ -3126,9 +3496,9 @@
           <p:nvPr/>
         </p:nvCxnSpPr>
         <p:spPr>
-          <a:xfrm flipH="1">
-            <a:off x="5109410" y="4836520"/>
-            <a:ext cx="1973179" cy="0"/>
+          <a:xfrm flipV="1">
+            <a:off x="4599390" y="4394156"/>
+            <a:ext cx="1943919" cy="1"/>
           </a:xfrm>
           <a:prstGeom prst="straightConnector1">
             <a:avLst/>
@@ -3152,46 +3522,6 @@
           </a:fontRef>
         </p:style>
       </p:cxnSp>
-      <p:sp>
-        <p:nvSpPr>
-          <p:cNvPr id="8" name="TextBox 7">
-            <a:extLst>
-              <a:ext uri="{FF2B5EF4-FFF2-40B4-BE49-F238E27FC236}">
-                <a16:creationId xmlns:a16="http://schemas.microsoft.com/office/drawing/2014/main" id="{CEF6F467-9F6B-D04B-663B-438456CAAEF0}"/>
-              </a:ext>
-            </a:extLst>
-          </p:cNvPr>
-          <p:cNvSpPr txBox="1"/>
-          <p:nvPr/>
-        </p:nvSpPr>
-        <p:spPr>
-          <a:xfrm>
-            <a:off x="7135975" y="4709004"/>
-            <a:ext cx="1882247" cy="369332"/>
-          </a:xfrm>
-          <a:prstGeom prst="rect">
-            <a:avLst/>
-          </a:prstGeom>
-          <a:noFill/>
-        </p:spPr>
-        <p:txBody>
-          <a:bodyPr wrap="none" rtlCol="0">
-            <a:spAutoFit/>
-          </a:bodyPr>
-          <a:lstStyle/>
-          <a:p>
-            <a:r>
-              <a:rPr lang="ko-KR" altLang="en-US" dirty="0"/>
-              <a:t>데이터 </a:t>
-            </a:r>
-            <a:r>
-              <a:rPr lang="ko-KR" altLang="en-US" dirty="0" err="1"/>
-              <a:t>없는경우</a:t>
-            </a:r>
-            <a:endParaRPr lang="ko-KR" altLang="en-US" dirty="0"/>
-          </a:p>
-        </p:txBody>
-      </p:sp>
     </p:spTree>
     <p:extLst>
       <p:ext uri="{BB962C8B-B14F-4D97-AF65-F5344CB8AC3E}">
@@ -3205,7 +3535,7 @@
 </p:sld>
 </file>
 
-<file path=ppt/slides/slide3.xml><?xml version="1.0" encoding="utf-8"?>
+<file path=ppt/slides/slide4.xml><?xml version="1.0" encoding="utf-8"?>
 <p:sld xmlns:a="http://schemas.openxmlformats.org/drawingml/2006/main" xmlns:r="http://schemas.openxmlformats.org/officeDocument/2006/relationships" xmlns:p="http://schemas.openxmlformats.org/presentationml/2006/main">
   <p:cSld>
     <p:spTree>
@@ -3244,7 +3574,7 @@
         </p:blipFill>
         <p:spPr>
           <a:xfrm>
-            <a:off x="2283843" y="1818767"/>
+            <a:off x="1660261" y="1581480"/>
             <a:ext cx="3600953" cy="2238687"/>
           </a:xfrm>
           <a:prstGeom prst="rect">
@@ -3252,22 +3582,101 @@
           </a:prstGeom>
         </p:spPr>
       </p:pic>
-      <p:cxnSp>
-        <p:nvCxnSpPr>
-          <p:cNvPr id="6" name="직선 화살표 연결선 5">
+      <p:sp>
+        <p:nvSpPr>
+          <p:cNvPr id="7" name="TextBox 6">
             <a:extLst>
               <a:ext uri="{FF2B5EF4-FFF2-40B4-BE49-F238E27FC236}">
-                <a16:creationId xmlns:a16="http://schemas.microsoft.com/office/drawing/2014/main" id="{81D2FA11-9E03-6D75-29DF-9B03CDB84A01}"/>
+                <a16:creationId xmlns:a16="http://schemas.microsoft.com/office/drawing/2014/main" id="{AA234568-528F-0B0B-9816-6E3BC3008A12}"/>
               </a:ext>
             </a:extLst>
           </p:cNvPr>
-          <p:cNvCxnSpPr/>
+          <p:cNvSpPr txBox="1"/>
+          <p:nvPr/>
+        </p:nvSpPr>
+        <p:spPr>
+          <a:xfrm>
+            <a:off x="4399447" y="4692675"/>
+            <a:ext cx="2207656" cy="307777"/>
+          </a:xfrm>
+          <a:prstGeom prst="rect">
+            <a:avLst/>
+          </a:prstGeom>
+          <a:noFill/>
+        </p:spPr>
+        <p:txBody>
+          <a:bodyPr wrap="none" rtlCol="0">
+            <a:spAutoFit/>
+          </a:bodyPr>
+          <a:lstStyle/>
+          <a:p>
+            <a:r>
+              <a:rPr lang="ko-KR" altLang="en-US" sz="1400" dirty="0"/>
+              <a:t>데이터 </a:t>
+            </a:r>
+            <a:r>
+              <a:rPr lang="ko-KR" altLang="en-US" sz="1400" dirty="0" err="1"/>
+              <a:t>없는경우</a:t>
+            </a:r>
+            <a:r>
+              <a:rPr lang="en-US" altLang="ko-KR" sz="1400" dirty="0"/>
+              <a:t>, </a:t>
+            </a:r>
+            <a:r>
+              <a:rPr lang="ko-KR" altLang="en-US" sz="1400" dirty="0"/>
+              <a:t>탭 공통</a:t>
+            </a:r>
+          </a:p>
+        </p:txBody>
+      </p:sp>
+      <p:pic>
+        <p:nvPicPr>
+          <p:cNvPr id="4" name="그림 3">
+            <a:extLst>
+              <a:ext uri="{FF2B5EF4-FFF2-40B4-BE49-F238E27FC236}">
+                <a16:creationId xmlns:a16="http://schemas.microsoft.com/office/drawing/2014/main" id="{0C9163D3-3959-8433-5661-104C0F342A31}"/>
+              </a:ext>
+            </a:extLst>
+          </p:cNvPr>
+          <p:cNvPicPr>
+            <a:picLocks noChangeAspect="1"/>
+          </p:cNvPicPr>
+          <p:nvPr/>
+        </p:nvPicPr>
+        <p:blipFill>
+          <a:blip r:embed="rId3"/>
+          <a:stretch>
+            <a:fillRect/>
+          </a:stretch>
+        </p:blipFill>
+        <p:spPr>
+          <a:xfrm>
+            <a:off x="6740260" y="1581480"/>
+            <a:ext cx="3791479" cy="2848373"/>
+          </a:xfrm>
+          <a:prstGeom prst="rect">
+            <a:avLst/>
+          </a:prstGeom>
+        </p:spPr>
+      </p:pic>
+      <p:cxnSp>
+        <p:nvCxnSpPr>
+          <p:cNvPr id="8" name="직선 화살표 연결선 7">
+            <a:extLst>
+              <a:ext uri="{FF2B5EF4-FFF2-40B4-BE49-F238E27FC236}">
+                <a16:creationId xmlns:a16="http://schemas.microsoft.com/office/drawing/2014/main" id="{B25090F2-FBB6-850B-59B2-C25A483D4BAE}"/>
+              </a:ext>
+            </a:extLst>
+          </p:cNvPr>
+          <p:cNvCxnSpPr>
+            <a:stCxn id="3" idx="3"/>
+          </p:cNvCxnSpPr>
           <p:nvPr/>
         </p:nvCxnSpPr>
         <p:spPr>
-          <a:xfrm flipH="1">
-            <a:off x="5763298" y="2819942"/>
-            <a:ext cx="1973179" cy="0"/>
+          <a:xfrm flipV="1">
+            <a:off x="5261214" y="2700823"/>
+            <a:ext cx="1943919" cy="1"/>
           </a:xfrm>
           <a:prstGeom prst="straightConnector1">
             <a:avLst/>
@@ -3291,53 +3700,6 @@
           </a:fontRef>
         </p:style>
       </p:cxnSp>
-      <p:sp>
-        <p:nvSpPr>
-          <p:cNvPr id="7" name="TextBox 6">
-            <a:extLst>
-              <a:ext uri="{FF2B5EF4-FFF2-40B4-BE49-F238E27FC236}">
-                <a16:creationId xmlns:a16="http://schemas.microsoft.com/office/drawing/2014/main" id="{AA234568-528F-0B0B-9816-6E3BC3008A12}"/>
-              </a:ext>
-            </a:extLst>
-          </p:cNvPr>
-          <p:cNvSpPr txBox="1"/>
-          <p:nvPr/>
-        </p:nvSpPr>
-        <p:spPr>
-          <a:xfrm>
-            <a:off x="8051800" y="2635276"/>
-            <a:ext cx="2789546" cy="369332"/>
-          </a:xfrm>
-          <a:prstGeom prst="rect">
-            <a:avLst/>
-          </a:prstGeom>
-          <a:noFill/>
-        </p:spPr>
-        <p:txBody>
-          <a:bodyPr wrap="none" rtlCol="0">
-            <a:spAutoFit/>
-          </a:bodyPr>
-          <a:lstStyle/>
-          <a:p>
-            <a:r>
-              <a:rPr lang="ko-KR" altLang="en-US" dirty="0"/>
-              <a:t>데이터 </a:t>
-            </a:r>
-            <a:r>
-              <a:rPr lang="ko-KR" altLang="en-US" dirty="0" err="1"/>
-              <a:t>없는경우</a:t>
-            </a:r>
-            <a:r>
-              <a:rPr lang="en-US" altLang="ko-KR" dirty="0"/>
-              <a:t>, </a:t>
-            </a:r>
-            <a:r>
-              <a:rPr lang="ko-KR" altLang="en-US" dirty="0"/>
-              <a:t>탭 공통</a:t>
-            </a:r>
-          </a:p>
-        </p:txBody>
-      </p:sp>
     </p:spTree>
     <p:extLst>
       <p:ext uri="{BB962C8B-B14F-4D97-AF65-F5344CB8AC3E}">
@@ -3351,7 +3713,7 @@
 </p:sld>
 </file>
 
-<file path=ppt/slides/slide4.xml><?xml version="1.0" encoding="utf-8"?>
+<file path=ppt/slides/slide5.xml><?xml version="1.0" encoding="utf-8"?>
 <p:sld xmlns:a="http://schemas.openxmlformats.org/drawingml/2006/main" xmlns:r="http://schemas.openxmlformats.org/officeDocument/2006/relationships" xmlns:p="http://schemas.openxmlformats.org/presentationml/2006/main">
   <p:cSld>
     <p:spTree>
@@ -3484,6 +3846,42 @@
           </a:p>
         </p:txBody>
       </p:sp>
+      <p:sp>
+        <p:nvSpPr>
+          <p:cNvPr id="6" name="TextBox 5">
+            <a:extLst>
+              <a:ext uri="{FF2B5EF4-FFF2-40B4-BE49-F238E27FC236}">
+                <a16:creationId xmlns:a16="http://schemas.microsoft.com/office/drawing/2014/main" id="{1A0B8121-E1D2-7F66-F51B-BEF160D7282F}"/>
+              </a:ext>
+            </a:extLst>
+          </p:cNvPr>
+          <p:cNvSpPr txBox="1"/>
+          <p:nvPr/>
+        </p:nvSpPr>
+        <p:spPr>
+          <a:xfrm>
+            <a:off x="299803" y="217357"/>
+            <a:ext cx="1872629" cy="369332"/>
+          </a:xfrm>
+          <a:prstGeom prst="rect">
+            <a:avLst/>
+          </a:prstGeom>
+          <a:noFill/>
+        </p:spPr>
+        <p:txBody>
+          <a:bodyPr wrap="none" rtlCol="0">
+            <a:spAutoFit/>
+          </a:bodyPr>
+          <a:lstStyle/>
+          <a:p>
+            <a:r>
+              <a:rPr lang="en-US" altLang="ko-KR" dirty="0"/>
+              <a:t>UI-SJN-02-001U</a:t>
+            </a:r>
+            <a:endParaRPr lang="ko-KR" altLang="en-US" dirty="0"/>
+          </a:p>
+        </p:txBody>
+      </p:sp>
     </p:spTree>
     <p:extLst>
       <p:ext uri="{BB962C8B-B14F-4D97-AF65-F5344CB8AC3E}">
@@ -3497,7 +3895,7 @@
 </p:sld>
 </file>
 
-<file path=ppt/slides/slide5.xml><?xml version="1.0" encoding="utf-8"?>
+<file path=ppt/slides/slide6.xml><?xml version="1.0" encoding="utf-8"?>
 <p:sld xmlns:a="http://schemas.openxmlformats.org/drawingml/2006/main" xmlns:r="http://schemas.openxmlformats.org/officeDocument/2006/relationships" xmlns:p="http://schemas.openxmlformats.org/presentationml/2006/main">
   <p:cSld>
     <p:spTree>
@@ -3514,6 +3912,85 @@
           <a:chExt cx="0" cy="0"/>
         </a:xfrm>
       </p:grpSpPr>
+      <p:pic>
+        <p:nvPicPr>
+          <p:cNvPr id="3" name="그림 2">
+            <a:extLst>
+              <a:ext uri="{FF2B5EF4-FFF2-40B4-BE49-F238E27FC236}">
+                <a16:creationId xmlns:a16="http://schemas.microsoft.com/office/drawing/2014/main" id="{C0260B2B-A538-98E2-29A4-8B15CF880A88}"/>
+              </a:ext>
+            </a:extLst>
+          </p:cNvPr>
+          <p:cNvPicPr>
+            <a:picLocks noChangeAspect="1"/>
+          </p:cNvPicPr>
+          <p:nvPr/>
+        </p:nvPicPr>
+        <p:blipFill>
+          <a:blip r:embed="rId2"/>
+          <a:stretch>
+            <a:fillRect/>
+          </a:stretch>
+        </p:blipFill>
+        <p:spPr>
+          <a:xfrm>
+            <a:off x="2485305" y="1610028"/>
+            <a:ext cx="2734057" cy="3248478"/>
+          </a:xfrm>
+          <a:prstGeom prst="rect">
+            <a:avLst/>
+          </a:prstGeom>
+        </p:spPr>
+      </p:pic>
+      <p:sp>
+        <p:nvSpPr>
+          <p:cNvPr id="4" name="직사각형 3">
+            <a:extLst>
+              <a:ext uri="{FF2B5EF4-FFF2-40B4-BE49-F238E27FC236}">
+                <a16:creationId xmlns:a16="http://schemas.microsoft.com/office/drawing/2014/main" id="{EB7AAAAE-BD84-067C-2481-E43BC30B26AA}"/>
+              </a:ext>
+            </a:extLst>
+          </p:cNvPr>
+          <p:cNvSpPr/>
+          <p:nvPr/>
+        </p:nvSpPr>
+        <p:spPr>
+          <a:xfrm>
+            <a:off x="2997200" y="3429000"/>
+            <a:ext cx="6716995" cy="2514597"/>
+          </a:xfrm>
+          <a:prstGeom prst="rect">
+            <a:avLst/>
+          </a:prstGeom>
+        </p:spPr>
+        <p:style>
+          <a:lnRef idx="2">
+            <a:schemeClr val="accent1">
+              <a:shade val="50000"/>
+            </a:schemeClr>
+          </a:lnRef>
+          <a:fillRef idx="1">
+            <a:schemeClr val="accent1"/>
+          </a:fillRef>
+          <a:effectRef idx="0">
+            <a:schemeClr val="accent1"/>
+          </a:effectRef>
+          <a:fontRef idx="minor">
+            <a:schemeClr val="lt1"/>
+          </a:fontRef>
+        </p:style>
+        <p:txBody>
+          <a:bodyPr rtlCol="0" anchor="ctr"/>
+          <a:lstStyle/>
+          <a:p>
+            <a:pPr algn="ctr"/>
+            <a:r>
+              <a:rPr lang="ko-KR" altLang="en-US" dirty="0"/>
+              <a:t>작업 중</a:t>
+            </a:r>
+          </a:p>
+        </p:txBody>
+      </p:sp>
     </p:spTree>
     <p:extLst>
       <p:ext uri="{BB962C8B-B14F-4D97-AF65-F5344CB8AC3E}">
@@ -3527,7 +4004,7 @@
 </p:sld>
 </file>
 
-<file path=ppt/slides/slide6.xml><?xml version="1.0" encoding="utf-8"?>
+<file path=ppt/slides/slide7.xml><?xml version="1.0" encoding="utf-8"?>
 <p:sld xmlns:a="http://schemas.openxmlformats.org/drawingml/2006/main" xmlns:r="http://schemas.openxmlformats.org/officeDocument/2006/relationships" xmlns:p="http://schemas.openxmlformats.org/presentationml/2006/main">
   <p:cSld>
     <p:spTree>

--- a/ppt/05-18.pptx
+++ b/ppt/05-18.pptx
@@ -3730,15 +3730,92 @@
           <a:chExt cx="0" cy="0"/>
         </a:xfrm>
       </p:grpSpPr>
-      <p:pic>
-        <p:nvPicPr>
-          <p:cNvPr id="3" name="그림 2">
+      <p:sp>
+        <p:nvSpPr>
+          <p:cNvPr id="5" name="TextBox 4">
             <a:extLst>
               <a:ext uri="{FF2B5EF4-FFF2-40B4-BE49-F238E27FC236}">
-                <a16:creationId xmlns:a16="http://schemas.microsoft.com/office/drawing/2014/main" id="{FDDE2A30-33DD-8966-D1B0-1C30CCA619DB}"/>
+                <a16:creationId xmlns:a16="http://schemas.microsoft.com/office/drawing/2014/main" id="{8DD66611-A4CC-F943-1F7A-AA893F282933}"/>
               </a:ext>
             </a:extLst>
           </p:cNvPr>
+          <p:cNvSpPr txBox="1"/>
+          <p:nvPr/>
+        </p:nvSpPr>
+        <p:spPr>
+          <a:xfrm>
+            <a:off x="6120077" y="1912187"/>
+            <a:ext cx="2552302" cy="369332"/>
+          </a:xfrm>
+          <a:prstGeom prst="rect">
+            <a:avLst/>
+          </a:prstGeom>
+          <a:noFill/>
+        </p:spPr>
+        <p:txBody>
+          <a:bodyPr wrap="none" rtlCol="0">
+            <a:spAutoFit/>
+          </a:bodyPr>
+          <a:lstStyle/>
+          <a:p>
+            <a:r>
+              <a:rPr lang="ko-KR" altLang="en-US" dirty="0" err="1"/>
+              <a:t>인기검색어</a:t>
+            </a:r>
+            <a:r>
+              <a:rPr lang="ko-KR" altLang="en-US" dirty="0"/>
+              <a:t> </a:t>
+            </a:r>
+            <a:r>
+              <a:rPr lang="en-US" altLang="ko-KR" dirty="0"/>
+              <a:t>5</a:t>
+            </a:r>
+            <a:r>
+              <a:rPr lang="ko-KR" altLang="en-US" dirty="0"/>
+              <a:t>개가 표시</a:t>
+            </a:r>
+          </a:p>
+        </p:txBody>
+      </p:sp>
+      <p:sp>
+        <p:nvSpPr>
+          <p:cNvPr id="6" name="TextBox 5">
+            <a:extLst>
+              <a:ext uri="{FF2B5EF4-FFF2-40B4-BE49-F238E27FC236}">
+                <a16:creationId xmlns:a16="http://schemas.microsoft.com/office/drawing/2014/main" id="{1A0B8121-E1D2-7F66-F51B-BEF160D7282F}"/>
+              </a:ext>
+            </a:extLst>
+          </p:cNvPr>
+          <p:cNvSpPr txBox="1"/>
+          <p:nvPr/>
+        </p:nvSpPr>
+        <p:spPr>
+          <a:xfrm>
+            <a:off x="299803" y="217357"/>
+            <a:ext cx="1872629" cy="369332"/>
+          </a:xfrm>
+          <a:prstGeom prst="rect">
+            <a:avLst/>
+          </a:prstGeom>
+          <a:noFill/>
+        </p:spPr>
+        <p:txBody>
+          <a:bodyPr wrap="none" rtlCol="0">
+            <a:spAutoFit/>
+          </a:bodyPr>
+          <a:lstStyle/>
+          <a:p>
+            <a:r>
+              <a:rPr lang="en-US" altLang="ko-KR" dirty="0"/>
+              <a:t>UI-SJN-02-001U</a:t>
+            </a:r>
+            <a:endParaRPr lang="ko-KR" altLang="en-US" dirty="0"/>
+          </a:p>
+        </p:txBody>
+      </p:sp>
+      <p:pic>
+        <p:nvPicPr>
+          <p:cNvPr id="2" name="그림 1"/>
           <p:cNvPicPr>
             <a:picLocks noChangeAspect="1"/>
           </p:cNvPicPr>
@@ -3752,8 +3829,8 @@
         </p:blipFill>
         <p:spPr>
           <a:xfrm>
-            <a:off x="1791031" y="1468735"/>
-            <a:ext cx="5001323" cy="2238687"/>
+            <a:off x="291338" y="991223"/>
+            <a:ext cx="4953691" cy="2267266"/>
           </a:xfrm>
           <a:prstGeom prst="rect">
             <a:avLst/>
@@ -3762,10 +3839,10 @@
       </p:pic>
       <p:cxnSp>
         <p:nvCxnSpPr>
-          <p:cNvPr id="4" name="직선 화살표 연결선 3">
+          <p:cNvPr id="7" name="직선 화살표 연결선 6">
             <a:extLst>
               <a:ext uri="{FF2B5EF4-FFF2-40B4-BE49-F238E27FC236}">
-                <a16:creationId xmlns:a16="http://schemas.microsoft.com/office/drawing/2014/main" id="{D1E051F9-3D04-6347-6E65-D3A49E8F4320}"/>
+                <a16:creationId xmlns:a16="http://schemas.microsoft.com/office/drawing/2014/main" id="{B25090F2-FBB6-850B-59B2-C25A483D4BAE}"/>
               </a:ext>
             </a:extLst>
           </p:cNvPr>
@@ -3773,9 +3850,9 @@
           <p:nvPr/>
         </p:nvCxnSpPr>
         <p:spPr>
-          <a:xfrm flipH="1">
-            <a:off x="6096000" y="1750421"/>
-            <a:ext cx="1973179" cy="0"/>
+          <a:xfrm flipH="1" flipV="1">
+            <a:off x="4467069" y="2093722"/>
+            <a:ext cx="1446217" cy="1"/>
           </a:xfrm>
           <a:prstGeom prst="straightConnector1">
             <a:avLst/>
@@ -3799,89 +3876,6 @@
           </a:fontRef>
         </p:style>
       </p:cxnSp>
-      <p:sp>
-        <p:nvSpPr>
-          <p:cNvPr id="5" name="TextBox 4">
-            <a:extLst>
-              <a:ext uri="{FF2B5EF4-FFF2-40B4-BE49-F238E27FC236}">
-                <a16:creationId xmlns:a16="http://schemas.microsoft.com/office/drawing/2014/main" id="{8DD66611-A4CC-F943-1F7A-AA893F282933}"/>
-              </a:ext>
-            </a:extLst>
-          </p:cNvPr>
-          <p:cNvSpPr txBox="1"/>
-          <p:nvPr/>
-        </p:nvSpPr>
-        <p:spPr>
-          <a:xfrm>
-            <a:off x="7161893" y="2032108"/>
-            <a:ext cx="2552302" cy="369332"/>
-          </a:xfrm>
-          <a:prstGeom prst="rect">
-            <a:avLst/>
-          </a:prstGeom>
-          <a:noFill/>
-        </p:spPr>
-        <p:txBody>
-          <a:bodyPr wrap="none" rtlCol="0">
-            <a:spAutoFit/>
-          </a:bodyPr>
-          <a:lstStyle/>
-          <a:p>
-            <a:r>
-              <a:rPr lang="ko-KR" altLang="en-US" dirty="0" err="1"/>
-              <a:t>인기검색어</a:t>
-            </a:r>
-            <a:r>
-              <a:rPr lang="ko-KR" altLang="en-US" dirty="0"/>
-              <a:t> </a:t>
-            </a:r>
-            <a:r>
-              <a:rPr lang="en-US" altLang="ko-KR" dirty="0"/>
-              <a:t>5</a:t>
-            </a:r>
-            <a:r>
-              <a:rPr lang="ko-KR" altLang="en-US" dirty="0"/>
-              <a:t>개가 표시</a:t>
-            </a:r>
-          </a:p>
-        </p:txBody>
-      </p:sp>
-      <p:sp>
-        <p:nvSpPr>
-          <p:cNvPr id="6" name="TextBox 5">
-            <a:extLst>
-              <a:ext uri="{FF2B5EF4-FFF2-40B4-BE49-F238E27FC236}">
-                <a16:creationId xmlns:a16="http://schemas.microsoft.com/office/drawing/2014/main" id="{1A0B8121-E1D2-7F66-F51B-BEF160D7282F}"/>
-              </a:ext>
-            </a:extLst>
-          </p:cNvPr>
-          <p:cNvSpPr txBox="1"/>
-          <p:nvPr/>
-        </p:nvSpPr>
-        <p:spPr>
-          <a:xfrm>
-            <a:off x="299803" y="217357"/>
-            <a:ext cx="1872629" cy="369332"/>
-          </a:xfrm>
-          <a:prstGeom prst="rect">
-            <a:avLst/>
-          </a:prstGeom>
-          <a:noFill/>
-        </p:spPr>
-        <p:txBody>
-          <a:bodyPr wrap="none" rtlCol="0">
-            <a:spAutoFit/>
-          </a:bodyPr>
-          <a:lstStyle/>
-          <a:p>
-            <a:r>
-              <a:rPr lang="en-US" altLang="ko-KR" dirty="0"/>
-              <a:t>UI-SJN-02-001U</a:t>
-            </a:r>
-            <a:endParaRPr lang="ko-KR" altLang="en-US" dirty="0"/>
-          </a:p>
-        </p:txBody>
-      </p:sp>
     </p:spTree>
     <p:extLst>
       <p:ext uri="{BB962C8B-B14F-4D97-AF65-F5344CB8AC3E}">
@@ -3914,6 +3908,30 @@
       </p:grpSpPr>
       <p:pic>
         <p:nvPicPr>
+          <p:cNvPr id="2" name="그림 1"/>
+          <p:cNvPicPr>
+            <a:picLocks noChangeAspect="1"/>
+          </p:cNvPicPr>
+          <p:nvPr/>
+        </p:nvPicPr>
+        <p:blipFill>
+          <a:blip r:embed="rId2"/>
+          <a:stretch>
+            <a:fillRect/>
+          </a:stretch>
+        </p:blipFill>
+        <p:spPr>
+          <a:xfrm>
+            <a:off x="5707054" y="272126"/>
+            <a:ext cx="4210638" cy="3915321"/>
+          </a:xfrm>
+          <a:prstGeom prst="rect">
+            <a:avLst/>
+          </a:prstGeom>
+        </p:spPr>
+      </p:pic>
+      <p:pic>
+        <p:nvPicPr>
           <p:cNvPr id="3" name="그림 2">
             <a:extLst>
               <a:ext uri="{FF2B5EF4-FFF2-40B4-BE49-F238E27FC236}">
@@ -3927,7 +3945,7 @@
           <p:nvPr/>
         </p:nvPicPr>
         <p:blipFill>
-          <a:blip r:embed="rId2"/>
+          <a:blip r:embed="rId3"/>
           <a:stretch>
             <a:fillRect/>
           </a:stretch>
@@ -3956,7 +3974,7 @@
         </p:nvSpPr>
         <p:spPr>
           <a:xfrm>
-            <a:off x="2997200" y="3429000"/>
+            <a:off x="2854793" y="3976141"/>
             <a:ext cx="6716995" cy="2514597"/>
           </a:xfrm>
           <a:prstGeom prst="rect">
